--- a/Powerpoint/Module13-XmlData.pptx
+++ b/Powerpoint/Module13-XmlData.pptx
@@ -112,6 +112,22 @@
       </a:defRPr>
     </a:lvl9pPr>
   </p:defaultTextStyle>
+  <p:extLst>
+    <p:ext uri="{EFAFB233-063F-42B5-8137-9DF3F51BA10A}">
+      <p15:sldGuideLst xmlns:p15="http://schemas.microsoft.com/office/powerpoint/2012/main">
+        <p15:guide id="1" orient="horz" pos="2160">
+          <p15:clr>
+            <a:srgbClr val="A4A3A4"/>
+          </p15:clr>
+        </p15:guide>
+        <p15:guide id="2" pos="2880">
+          <p15:clr>
+            <a:srgbClr val="A4A3A4"/>
+          </p15:clr>
+        </p15:guide>
+      </p15:sldGuideLst>
+    </p:ext>
+  </p:extLst>
 </p:presentation>
 </file>
 
@@ -159,7 +175,7 @@
           </a:lstStyle>
           <a:p>
             <a:r>
-              <a:rPr lang="en-US" smtClean="0"/>
+              <a:rPr lang="en-US"/>
               <a:t>Click to edit Master title style</a:t>
             </a:r>
             <a:endParaRPr lang="en-US" dirty="0"/>
@@ -279,7 +295,7 @@
           </a:lstStyle>
           <a:p>
             <a:r>
-              <a:rPr lang="en-US" smtClean="0"/>
+              <a:rPr lang="en-US"/>
               <a:t>Click to edit Master subtitle style</a:t>
             </a:r>
             <a:endParaRPr lang="en-US" dirty="0"/>
@@ -392,10 +408,9 @@
           <a:lstStyle/>
           <a:p>
             <a:r>
-              <a:rPr lang="en-US" smtClean="0"/>
+              <a:rPr lang="en-US"/>
               <a:t>Click to edit Master title style</a:t>
             </a:r>
-            <a:endParaRPr lang="en-US"/>
           </a:p>
         </p:txBody>
       </p:sp>
@@ -416,38 +431,37 @@
           <a:p>
             <a:pPr lvl="0"/>
             <a:r>
-              <a:rPr lang="en-US" smtClean="0"/>
+              <a:rPr lang="en-US"/>
               <a:t>Click to edit Master text styles</a:t>
             </a:r>
           </a:p>
           <a:p>
             <a:pPr lvl="1"/>
             <a:r>
-              <a:rPr lang="en-US" smtClean="0"/>
+              <a:rPr lang="en-US"/>
               <a:t>Second level</a:t>
             </a:r>
           </a:p>
           <a:p>
             <a:pPr lvl="2"/>
             <a:r>
-              <a:rPr lang="en-US" smtClean="0"/>
+              <a:rPr lang="en-US"/>
               <a:t>Third level</a:t>
             </a:r>
           </a:p>
           <a:p>
             <a:pPr lvl="3"/>
             <a:r>
-              <a:rPr lang="en-US" smtClean="0"/>
+              <a:rPr lang="en-US"/>
               <a:t>Fourth level</a:t>
             </a:r>
           </a:p>
           <a:p>
             <a:pPr lvl="4"/>
             <a:r>
-              <a:rPr lang="en-US" smtClean="0"/>
+              <a:rPr lang="en-US"/>
               <a:t>Fifth level</a:t>
             </a:r>
-            <a:endParaRPr lang="en-US"/>
           </a:p>
         </p:txBody>
       </p:sp>
@@ -485,10 +499,9 @@
           </a:lstStyle>
           <a:p>
             <a:r>
-              <a:rPr lang="en-US" dirty="0" smtClean="0"/>
+              <a:rPr lang="en-US" dirty="0"/>
               <a:t>©Concentrated Technology</a:t>
             </a:r>
-            <a:endParaRPr lang="en-US" dirty="0"/>
           </a:p>
         </p:txBody>
       </p:sp>
@@ -549,7 +562,7 @@
           </a:lstStyle>
           <a:p>
             <a:r>
-              <a:rPr lang="en-US" smtClean="0"/>
+              <a:rPr lang="en-US"/>
               <a:t>Click to edit Master title style</a:t>
             </a:r>
             <a:endParaRPr lang="en-US" dirty="0"/>
@@ -669,7 +682,7 @@
           <a:p>
             <a:pPr lvl="0"/>
             <a:r>
-              <a:rPr lang="en-US" smtClean="0"/>
+              <a:rPr lang="en-US"/>
               <a:t>Click to edit Master text styles</a:t>
             </a:r>
           </a:p>
@@ -744,10 +757,9 @@
           </a:lstStyle>
           <a:p>
             <a:r>
-              <a:rPr lang="en-US" dirty="0" smtClean="0"/>
+              <a:rPr lang="en-US" dirty="0"/>
               <a:t>©Concentrated Technology</a:t>
             </a:r>
-            <a:endParaRPr lang="en-US" dirty="0"/>
           </a:p>
         </p:txBody>
       </p:sp>
@@ -792,10 +804,9 @@
           <a:lstStyle/>
           <a:p>
             <a:r>
-              <a:rPr lang="en-US" smtClean="0"/>
+              <a:rPr lang="en-US"/>
               <a:t>Click to edit Master title style</a:t>
             </a:r>
-            <a:endParaRPr lang="en-US"/>
           </a:p>
         </p:txBody>
       </p:sp>
@@ -849,35 +860,35 @@
           <a:p>
             <a:pPr lvl="0"/>
             <a:r>
-              <a:rPr lang="en-US" smtClean="0"/>
+              <a:rPr lang="en-US"/>
               <a:t>Click to edit Master text styles</a:t>
             </a:r>
           </a:p>
           <a:p>
             <a:pPr lvl="1"/>
             <a:r>
-              <a:rPr lang="en-US" smtClean="0"/>
+              <a:rPr lang="en-US"/>
               <a:t>Second level</a:t>
             </a:r>
           </a:p>
           <a:p>
             <a:pPr lvl="2"/>
             <a:r>
-              <a:rPr lang="en-US" smtClean="0"/>
+              <a:rPr lang="en-US"/>
               <a:t>Third level</a:t>
             </a:r>
           </a:p>
           <a:p>
             <a:pPr lvl="3"/>
             <a:r>
-              <a:rPr lang="en-US" smtClean="0"/>
+              <a:rPr lang="en-US"/>
               <a:t>Fourth level</a:t>
             </a:r>
           </a:p>
           <a:p>
             <a:pPr lvl="4"/>
             <a:r>
-              <a:rPr lang="en-US" smtClean="0"/>
+              <a:rPr lang="en-US"/>
               <a:t>Fifth level</a:t>
             </a:r>
             <a:endParaRPr lang="en-US" dirty="0"/>
@@ -934,35 +945,35 @@
           <a:p>
             <a:pPr lvl="0"/>
             <a:r>
-              <a:rPr lang="en-US" smtClean="0"/>
+              <a:rPr lang="en-US"/>
               <a:t>Click to edit Master text styles</a:t>
             </a:r>
           </a:p>
           <a:p>
             <a:pPr lvl="1"/>
             <a:r>
-              <a:rPr lang="en-US" smtClean="0"/>
+              <a:rPr lang="en-US"/>
               <a:t>Second level</a:t>
             </a:r>
           </a:p>
           <a:p>
             <a:pPr lvl="2"/>
             <a:r>
-              <a:rPr lang="en-US" smtClean="0"/>
+              <a:rPr lang="en-US"/>
               <a:t>Third level</a:t>
             </a:r>
           </a:p>
           <a:p>
             <a:pPr lvl="3"/>
             <a:r>
-              <a:rPr lang="en-US" smtClean="0"/>
+              <a:rPr lang="en-US"/>
               <a:t>Fourth level</a:t>
             </a:r>
           </a:p>
           <a:p>
             <a:pPr lvl="4"/>
             <a:r>
-              <a:rPr lang="en-US" smtClean="0"/>
+              <a:rPr lang="en-US"/>
               <a:t>Fifth level</a:t>
             </a:r>
             <a:endParaRPr lang="en-US" dirty="0"/>
@@ -1003,10 +1014,9 @@
           </a:lstStyle>
           <a:p>
             <a:r>
-              <a:rPr lang="en-US" dirty="0" smtClean="0"/>
+              <a:rPr lang="en-US" dirty="0"/>
               <a:t>©Concentrated Technology</a:t>
             </a:r>
-            <a:endParaRPr lang="en-US" dirty="0"/>
           </a:p>
         </p:txBody>
       </p:sp>
@@ -1055,7 +1065,7 @@
           </a:lstStyle>
           <a:p>
             <a:r>
-              <a:rPr lang="en-US" smtClean="0"/>
+              <a:rPr lang="en-US"/>
               <a:t>Click to edit Master title style</a:t>
             </a:r>
             <a:endParaRPr lang="en-US" dirty="0"/>
@@ -1144,7 +1154,7 @@
           <a:p>
             <a:pPr lvl="0"/>
             <a:r>
-              <a:rPr lang="en-US" smtClean="0"/>
+              <a:rPr lang="en-US"/>
               <a:t>Click to edit Master text styles</a:t>
             </a:r>
           </a:p>
@@ -1200,35 +1210,35 @@
           <a:p>
             <a:pPr lvl="0"/>
             <a:r>
-              <a:rPr lang="en-US" smtClean="0"/>
+              <a:rPr lang="en-US"/>
               <a:t>Click to edit Master text styles</a:t>
             </a:r>
           </a:p>
           <a:p>
             <a:pPr lvl="1"/>
             <a:r>
-              <a:rPr lang="en-US" smtClean="0"/>
+              <a:rPr lang="en-US"/>
               <a:t>Second level</a:t>
             </a:r>
           </a:p>
           <a:p>
             <a:pPr lvl="2"/>
             <a:r>
-              <a:rPr lang="en-US" smtClean="0"/>
+              <a:rPr lang="en-US"/>
               <a:t>Third level</a:t>
             </a:r>
           </a:p>
           <a:p>
             <a:pPr lvl="3"/>
             <a:r>
-              <a:rPr lang="en-US" smtClean="0"/>
+              <a:rPr lang="en-US"/>
               <a:t>Fourth level</a:t>
             </a:r>
           </a:p>
           <a:p>
             <a:pPr lvl="4"/>
             <a:r>
-              <a:rPr lang="en-US" smtClean="0"/>
+              <a:rPr lang="en-US"/>
               <a:t>Fifth level</a:t>
             </a:r>
             <a:endParaRPr lang="en-US" dirty="0"/>
@@ -1320,7 +1330,7 @@
           <a:p>
             <a:pPr lvl="0"/>
             <a:r>
-              <a:rPr lang="en-US" smtClean="0"/>
+              <a:rPr lang="en-US"/>
               <a:t>Click to edit Master text styles</a:t>
             </a:r>
           </a:p>
@@ -1376,35 +1386,35 @@
           <a:p>
             <a:pPr lvl="0"/>
             <a:r>
-              <a:rPr lang="en-US" smtClean="0"/>
+              <a:rPr lang="en-US"/>
               <a:t>Click to edit Master text styles</a:t>
             </a:r>
           </a:p>
           <a:p>
             <a:pPr lvl="1"/>
             <a:r>
-              <a:rPr lang="en-US" smtClean="0"/>
+              <a:rPr lang="en-US"/>
               <a:t>Second level</a:t>
             </a:r>
           </a:p>
           <a:p>
             <a:pPr lvl="2"/>
             <a:r>
-              <a:rPr lang="en-US" smtClean="0"/>
+              <a:rPr lang="en-US"/>
               <a:t>Third level</a:t>
             </a:r>
           </a:p>
           <a:p>
             <a:pPr lvl="3"/>
             <a:r>
-              <a:rPr lang="en-US" smtClean="0"/>
+              <a:rPr lang="en-US"/>
               <a:t>Fourth level</a:t>
             </a:r>
           </a:p>
           <a:p>
             <a:pPr lvl="4"/>
             <a:r>
-              <a:rPr lang="en-US" smtClean="0"/>
+              <a:rPr lang="en-US"/>
               <a:t>Fifth level</a:t>
             </a:r>
             <a:endParaRPr lang="en-US" dirty="0"/>
@@ -1480,10 +1490,9 @@
           </a:lstStyle>
           <a:p>
             <a:r>
-              <a:rPr lang="en-US" dirty="0" smtClean="0"/>
+              <a:rPr lang="en-US" dirty="0"/>
               <a:t>©Concentrated Technology</a:t>
             </a:r>
-            <a:endParaRPr lang="en-US" dirty="0"/>
           </a:p>
         </p:txBody>
       </p:sp>
@@ -1528,10 +1537,9 @@
           <a:lstStyle/>
           <a:p>
             <a:r>
-              <a:rPr lang="en-US" smtClean="0"/>
+              <a:rPr lang="en-US"/>
               <a:t>Click to edit Master title style</a:t>
             </a:r>
-            <a:endParaRPr lang="en-US"/>
           </a:p>
         </p:txBody>
       </p:sp>
@@ -1569,10 +1577,9 @@
           </a:lstStyle>
           <a:p>
             <a:r>
-              <a:rPr lang="en-US" dirty="0" smtClean="0"/>
+              <a:rPr lang="en-US" dirty="0"/>
               <a:t>©Concentrated Technology</a:t>
             </a:r>
-            <a:endParaRPr lang="en-US" dirty="0"/>
           </a:p>
         </p:txBody>
       </p:sp>
@@ -1653,7 +1660,7 @@
           </a:lstStyle>
           <a:p>
             <a:r>
-              <a:rPr lang="en-US" smtClean="0"/>
+              <a:rPr lang="en-US"/>
               <a:t>Click to edit Master title style</a:t>
             </a:r>
             <a:endParaRPr lang="en-US" dirty="0"/>
@@ -1710,35 +1717,35 @@
           <a:p>
             <a:pPr lvl="0"/>
             <a:r>
-              <a:rPr lang="en-US" smtClean="0"/>
+              <a:rPr lang="en-US"/>
               <a:t>Click to edit Master text styles</a:t>
             </a:r>
           </a:p>
           <a:p>
             <a:pPr lvl="1"/>
             <a:r>
-              <a:rPr lang="en-US" smtClean="0"/>
+              <a:rPr lang="en-US"/>
               <a:t>Second level</a:t>
             </a:r>
           </a:p>
           <a:p>
             <a:pPr lvl="2"/>
             <a:r>
-              <a:rPr lang="en-US" smtClean="0"/>
+              <a:rPr lang="en-US"/>
               <a:t>Third level</a:t>
             </a:r>
           </a:p>
           <a:p>
             <a:pPr lvl="3"/>
             <a:r>
-              <a:rPr lang="en-US" smtClean="0"/>
+              <a:rPr lang="en-US"/>
               <a:t>Fourth level</a:t>
             </a:r>
           </a:p>
           <a:p>
             <a:pPr lvl="4"/>
             <a:r>
-              <a:rPr lang="en-US" smtClean="0"/>
+              <a:rPr lang="en-US"/>
               <a:t>Fifth level</a:t>
             </a:r>
             <a:endParaRPr lang="en-US" dirty="0"/>
@@ -1804,7 +1811,7 @@
           <a:p>
             <a:pPr lvl="0"/>
             <a:r>
-              <a:rPr lang="en-US" smtClean="0"/>
+              <a:rPr lang="en-US"/>
               <a:t>Click to edit Master text styles</a:t>
             </a:r>
           </a:p>
@@ -1879,10 +1886,9 @@
           </a:lstStyle>
           <a:p>
             <a:r>
-              <a:rPr lang="en-US" dirty="0" smtClean="0"/>
+              <a:rPr lang="en-US" dirty="0"/>
               <a:t>©Concentrated Technology</a:t>
             </a:r>
-            <a:endParaRPr lang="en-US" dirty="0"/>
           </a:p>
         </p:txBody>
       </p:sp>
@@ -1938,7 +1944,7 @@
           </a:lstStyle>
           <a:p>
             <a:r>
-              <a:rPr lang="en-US" smtClean="0"/>
+              <a:rPr lang="en-US"/>
               <a:t>Click to edit Master title style</a:t>
             </a:r>
             <a:endParaRPr lang="en-US" dirty="0"/>
@@ -2019,7 +2025,7 @@
           </a:lstStyle>
           <a:p>
             <a:r>
-              <a:rPr lang="en-US" smtClean="0"/>
+              <a:rPr lang="en-US"/>
               <a:t>Drag picture to placeholder or click icon to add</a:t>
             </a:r>
             <a:endParaRPr lang="en-US" dirty="0"/>
@@ -2085,7 +2091,7 @@
           <a:p>
             <a:pPr lvl="0"/>
             <a:r>
-              <a:rPr lang="en-US" smtClean="0"/>
+              <a:rPr lang="en-US"/>
               <a:t>Click to edit Master text styles</a:t>
             </a:r>
           </a:p>
@@ -2125,10 +2131,9 @@
           </a:lstStyle>
           <a:p>
             <a:r>
-              <a:rPr lang="en-US" dirty="0" smtClean="0"/>
+              <a:rPr lang="en-US" dirty="0"/>
               <a:t>©Concentrated Technology</a:t>
             </a:r>
-            <a:endParaRPr lang="en-US" dirty="0"/>
           </a:p>
         </p:txBody>
       </p:sp>
@@ -2234,7 +2239,7 @@
           <a:lstStyle/>
           <a:p>
             <a:r>
-              <a:rPr lang="en-US" smtClean="0"/>
+              <a:rPr lang="en-US"/>
               <a:t>Click to edit Master title style</a:t>
             </a:r>
             <a:endParaRPr lang="en-US" dirty="0"/>
@@ -2268,35 +2273,35 @@
           <a:p>
             <a:pPr lvl="0"/>
             <a:r>
-              <a:rPr lang="en-US" smtClean="0"/>
+              <a:rPr lang="en-US"/>
               <a:t>Click to edit Master text styles</a:t>
             </a:r>
           </a:p>
           <a:p>
             <a:pPr lvl="1"/>
             <a:r>
-              <a:rPr lang="en-US" smtClean="0"/>
+              <a:rPr lang="en-US"/>
               <a:t>Second level</a:t>
             </a:r>
           </a:p>
           <a:p>
             <a:pPr lvl="2"/>
             <a:r>
-              <a:rPr lang="en-US" smtClean="0"/>
+              <a:rPr lang="en-US"/>
               <a:t>Third level</a:t>
             </a:r>
           </a:p>
           <a:p>
             <a:pPr lvl="3"/>
             <a:r>
-              <a:rPr lang="en-US" smtClean="0"/>
+              <a:rPr lang="en-US"/>
               <a:t>Fourth level</a:t>
             </a:r>
           </a:p>
           <a:p>
             <a:pPr lvl="4"/>
             <a:r>
-              <a:rPr lang="en-US" smtClean="0"/>
+              <a:rPr lang="en-US"/>
               <a:t>Fifth level</a:t>
             </a:r>
             <a:endParaRPr lang="en-US" dirty="0"/>
@@ -2383,10 +2388,9 @@
           </a:lstStyle>
           <a:p>
             <a:r>
-              <a:rPr lang="en-US" dirty="0" smtClean="0"/>
+              <a:rPr lang="en-US" dirty="0"/>
               <a:t>©Concentrated Technology</a:t>
             </a:r>
-            <a:endParaRPr lang="en-US" dirty="0"/>
           </a:p>
         </p:txBody>
       </p:sp>
@@ -2726,10 +2730,9 @@
           <a:lstStyle/>
           <a:p>
             <a:r>
-              <a:rPr lang="en-US" dirty="0" smtClean="0"/>
+              <a:rPr lang="en-US" dirty="0"/>
               <a:t>Working with XML Data</a:t>
             </a:r>
-            <a:endParaRPr lang="en-US" dirty="0"/>
           </a:p>
         </p:txBody>
       </p:sp>
@@ -2754,10 +2757,9 @@
           <a:lstStyle/>
           <a:p>
             <a:r>
-              <a:rPr lang="en-US" dirty="0" smtClean="0"/>
+              <a:rPr lang="en-US" dirty="0"/>
               <a:t>Module 13</a:t>
             </a:r>
-            <a:endParaRPr lang="en-US" dirty="0"/>
           </a:p>
         </p:txBody>
       </p:sp>
@@ -2807,10 +2809,9 @@
           <a:lstStyle/>
           <a:p>
             <a:r>
-              <a:rPr lang="en-US" dirty="0" smtClean="0"/>
+              <a:rPr lang="en-US" dirty="0"/>
               <a:t>Understanding how PowerShell Uses XML</a:t>
             </a:r>
-            <a:endParaRPr lang="en-US" dirty="0"/>
           </a:p>
         </p:txBody>
       </p:sp>
@@ -2830,10 +2831,9 @@
           <a:lstStyle/>
           <a:p>
             <a:r>
-              <a:rPr lang="en-US" dirty="0" smtClean="0"/>
+              <a:rPr lang="en-US" dirty="0"/>
               <a:t>Lesson 1</a:t>
             </a:r>
-            <a:endParaRPr lang="en-US" dirty="0"/>
           </a:p>
         </p:txBody>
       </p:sp>
@@ -2883,10 +2883,9 @@
           <a:lstStyle/>
           <a:p>
             <a:r>
-              <a:rPr lang="en-US" dirty="0" smtClean="0"/>
+              <a:rPr lang="en-US" dirty="0"/>
               <a:t>XML Documents</a:t>
             </a:r>
-            <a:endParaRPr lang="en-US" dirty="0"/>
           </a:p>
         </p:txBody>
       </p:sp>
@@ -2909,19 +2908,15 @@
           <a:p>
             <a:pPr lvl="0"/>
             <a:r>
-              <a:rPr lang="en-US" dirty="0" smtClean="0"/>
+              <a:rPr lang="en-US" dirty="0"/>
               <a:t>Examine the example:</a:t>
             </a:r>
           </a:p>
           <a:p>
             <a:pPr lvl="0"/>
             <a:r>
-              <a:rPr lang="en-US" dirty="0" smtClean="0"/>
-              <a:t>Like </a:t>
-            </a:r>
-            <a:r>
-              <a:rPr lang="en-US" dirty="0"/>
-              <a:t>all XML documents, this one starts with a single top-level </a:t>
+              <a:rPr lang="en-US" dirty="0"/>
+              <a:t>Like all XML documents, this one starts with a single top-level </a:t>
             </a:r>
             <a:r>
               <a:rPr lang="en-US" i="1" dirty="0"/>
@@ -3076,10 +3071,9 @@
           <a:lstStyle/>
           <a:p>
             <a:r>
-              <a:rPr lang="en-US" dirty="0" smtClean="0"/>
+              <a:rPr lang="en-US" dirty="0"/>
               <a:t>Reading XML</a:t>
             </a:r>
-            <a:endParaRPr lang="en-US" dirty="0"/>
           </a:p>
         </p:txBody>
       </p:sp>
@@ -3148,16 +3142,12 @@
             </a:r>
             <a:r>
               <a:rPr lang="en-US" dirty="0"/>
-              <a:t> </a:t>
-            </a:r>
-            <a:r>
-              <a:rPr lang="en-US" dirty="0" smtClean="0"/>
-              <a:t>cmdlets.</a:t>
-            </a:r>
-          </a:p>
-          <a:p>
-            <a:r>
-              <a:rPr lang="en-US" dirty="0" smtClean="0"/>
+              <a:t> cmdlets.</a:t>
+            </a:r>
+          </a:p>
+          <a:p>
+            <a:r>
+              <a:rPr lang="en-US" dirty="0"/>
               <a:t> </a:t>
             </a:r>
             <a:r>
@@ -3172,18 +3162,12 @@
               <a:rPr lang="en-US" b="1" dirty="0"/>
               <a:t> </a:t>
             </a:r>
-            <a:endParaRPr lang="en-US" b="1" dirty="0" smtClean="0"/>
-          </a:p>
-          <a:p>
-            <a:r>
-              <a:rPr lang="en-US" dirty="0" smtClean="0"/>
-              <a:t>Cast </a:t>
-            </a:r>
-            <a:r>
-              <a:rPr lang="en-US" dirty="0"/>
-              <a:t>the $xml variable as the [xml] data type. </a:t>
-            </a:r>
-            <a:endParaRPr lang="en-US" dirty="0" smtClean="0"/>
+          </a:p>
+          <a:p>
+            <a:r>
+              <a:rPr lang="en-US" dirty="0"/>
+              <a:t>Cast the $xml variable as the [xml] data type. </a:t>
+            </a:r>
           </a:p>
           <a:p>
             <a:endParaRPr lang="en-US" dirty="0"/>
@@ -3266,10 +3250,9 @@
           <a:lstStyle/>
           <a:p>
             <a:r>
-              <a:rPr lang="en-US" dirty="0" smtClean="0"/>
+              <a:rPr lang="en-US" dirty="0"/>
               <a:t>Creating an XML reading tool</a:t>
             </a:r>
-            <a:endParaRPr lang="en-US" dirty="0"/>
           </a:p>
         </p:txBody>
       </p:sp>
@@ -3294,7 +3277,7 @@
           <a:lstStyle/>
           <a:p>
             <a:r>
-              <a:rPr lang="en-US" dirty="0" smtClean="0"/>
+              <a:rPr lang="en-US" dirty="0"/>
               <a:t>Examine the example.</a:t>
             </a:r>
           </a:p>
@@ -3323,12 +3306,8 @@
               <a:buNone/>
             </a:pPr>
             <a:r>
-              <a:rPr lang="en-US" dirty="0" smtClean="0"/>
-              <a:t>  Get</a:t>
-            </a:r>
-            <a:r>
-              <a:rPr lang="en-US" dirty="0"/>
-              <a:t>-</a:t>
+              <a:rPr lang="en-US" dirty="0"/>
+              <a:t>  Get-</a:t>
             </a:r>
             <a:r>
               <a:rPr lang="en-US" dirty="0" err="1"/>
@@ -3444,10 +3423,9 @@
           <a:lstStyle/>
           <a:p>
             <a:r>
-              <a:rPr lang="en-US" dirty="0" smtClean="0"/>
+              <a:rPr lang="en-US" dirty="0"/>
               <a:t>Modifying XML Nodes</a:t>
             </a:r>
-            <a:endParaRPr lang="en-US" dirty="0"/>
           </a:p>
         </p:txBody>
       </p:sp>
@@ -3472,22 +3450,14 @@
           <a:lstStyle/>
           <a:p>
             <a:r>
-              <a:rPr lang="en-US" dirty="0" smtClean="0"/>
+              <a:rPr lang="en-US" dirty="0"/>
               <a:t>Examine the example.</a:t>
             </a:r>
           </a:p>
           <a:p>
             <a:r>
               <a:rPr lang="en-US" dirty="0"/>
-              <a:t>T</a:t>
-            </a:r>
-            <a:r>
-              <a:rPr lang="en-US" dirty="0" smtClean="0"/>
-              <a:t>he </a:t>
-            </a:r>
-            <a:r>
-              <a:rPr lang="en-US" dirty="0"/>
-              <a:t>magic is in these two lines: </a:t>
+              <a:t>The magic is in these two lines: </a:t>
             </a:r>
           </a:p>
         </p:txBody>
@@ -3608,10 +3578,9 @@
           <a:lstStyle/>
           <a:p>
             <a:r>
-              <a:rPr lang="en-US" dirty="0" smtClean="0"/>
+              <a:rPr lang="en-US" dirty="0"/>
               <a:t>Adding XML Attributes and Nodes</a:t>
             </a:r>
-            <a:endParaRPr lang="en-US" dirty="0"/>
           </a:p>
         </p:txBody>
       </p:sp>
@@ -3732,10 +3701,9 @@
           <a:p>
             <a:pPr algn="ctr"/>
             <a:r>
-              <a:rPr lang="en-US" dirty="0" smtClean="0"/>
+              <a:rPr lang="en-US" dirty="0"/>
               <a:t>Lab A</a:t>
             </a:r>
-            <a:endParaRPr lang="en-US" dirty="0"/>
           </a:p>
         </p:txBody>
       </p:sp>
@@ -3781,7 +3749,7 @@
           <a:p>
             <a:pPr algn="ctr"/>
             <a:r>
-              <a:rPr lang="en-US" dirty="0" smtClean="0"/>
+              <a:rPr lang="en-US" dirty="0"/>
               <a:t>45 Minutes</a:t>
             </a:r>
           </a:p>
@@ -3792,21 +3760,21 @@
           <a:p>
             <a:pPr algn="ctr"/>
             <a:r>
-              <a:rPr lang="en-US" b="1" dirty="0" smtClean="0"/>
+              <a:rPr lang="en-US" b="1" dirty="0"/>
               <a:t>CLIENT</a:t>
             </a:r>
           </a:p>
           <a:p>
             <a:pPr algn="ctr"/>
             <a:r>
-              <a:rPr lang="en-US" b="1" dirty="0" smtClean="0"/>
+              <a:rPr lang="en-US" b="1" dirty="0"/>
               <a:t>MEMBER</a:t>
             </a:r>
           </a:p>
           <a:p>
             <a:pPr algn="ctr"/>
             <a:r>
-              <a:rPr lang="en-US" b="1" dirty="0" smtClean="0"/>
+              <a:rPr lang="en-US" b="1" dirty="0"/>
               <a:t>DC</a:t>
             </a:r>
           </a:p>
@@ -3817,17 +3785,16 @@
           <a:p>
             <a:pPr algn="ctr"/>
             <a:r>
-              <a:rPr lang="en-US" b="1" dirty="0" smtClean="0"/>
+              <a:rPr lang="en-US" b="1" dirty="0"/>
               <a:t>Administrator</a:t>
             </a:r>
             <a:br>
-              <a:rPr lang="en-US" b="1" dirty="0" smtClean="0"/>
+              <a:rPr lang="en-US" b="1" dirty="0"/>
             </a:br>
             <a:r>
-              <a:rPr lang="en-US" b="1" dirty="0" smtClean="0"/>
+              <a:rPr lang="en-US" b="1" dirty="0"/>
               <a:t>P@ssw0rd</a:t>
             </a:r>
-            <a:endParaRPr lang="en-US" b="1" dirty="0"/>
           </a:p>
         </p:txBody>
       </p:sp>
@@ -3907,10 +3874,9 @@
           <a:lstStyle/>
           <a:p>
             <a:r>
-              <a:rPr lang="en-US" dirty="0" smtClean="0"/>
+              <a:rPr lang="en-US" dirty="0"/>
               <a:t>Conclusion</a:t>
             </a:r>
-            <a:endParaRPr lang="en-US" dirty="0"/>
           </a:p>
         </p:txBody>
       </p:sp>
@@ -3935,22 +3901,12 @@
               <a:rPr lang="en-US" dirty="0"/>
               <a:t>You’ve just seen yet another way that reusable tools are flexible, valuable assets in an organization. Because your tools don’t care here their input comes from, they can be extended to accept input from nearly anyplace, and to have their output utilized in almost any fashion. </a:t>
             </a:r>
-            <a:endParaRPr lang="en-US" dirty="0" smtClean="0"/>
-          </a:p>
-          <a:p>
-            <a:r>
-              <a:rPr lang="en-US" dirty="0" smtClean="0"/>
-              <a:t>You </a:t>
-            </a:r>
-            <a:r>
-              <a:rPr lang="en-US" dirty="0"/>
-              <a:t>created additional tools to consume and create XML in this module, and paired them with your existing tools to create an effective management system</a:t>
-            </a:r>
-            <a:r>
-              <a:rPr lang="en-US" dirty="0" smtClean="0"/>
-              <a:t>.</a:t>
-            </a:r>
-            <a:endParaRPr lang="en-US" dirty="0"/>
+          </a:p>
+          <a:p>
+            <a:r>
+              <a:rPr lang="en-US" dirty="0"/>
+              <a:t>You created additional tools to consume and create XML in this module, and paired them with your existing tools to create an effective management system.</a:t>
+            </a:r>
           </a:p>
         </p:txBody>
       </p:sp>
